--- a/ppt 16-9/1526.主耶稣祢深长的.pptx
+++ b/ppt 16-9/1526.主耶稣祢深长的.pptx
@@ -129,7 +129,7 @@
           <p:cNvPr id="2" name="标题 1">
             <a:extLst>
               <a:ext uri="{FF2B5EF4-FFF2-40B4-BE49-F238E27FC236}">
-                <a16:creationId xmlns:a16="http://schemas.microsoft.com/office/drawing/2014/main" id="{DF4D6315-8EB8-CFC5-5CB0-A345854366BE}"/>
+                <a16:creationId xmlns:a16="http://schemas.microsoft.com/office/drawing/2014/main" id="{24C88372-D4AA-2588-B2C3-3040F0E2D91D}"/>
               </a:ext>
             </a:extLst>
           </p:cNvPr>
@@ -166,7 +166,7 @@
           <p:cNvPr id="3" name="副标题 2">
             <a:extLst>
               <a:ext uri="{FF2B5EF4-FFF2-40B4-BE49-F238E27FC236}">
-                <a16:creationId xmlns:a16="http://schemas.microsoft.com/office/drawing/2014/main" id="{910BC37C-0390-C076-1D38-34E2FF3A1556}"/>
+                <a16:creationId xmlns:a16="http://schemas.microsoft.com/office/drawing/2014/main" id="{866625D9-5803-6252-D9A3-D07FFE4E33CA}"/>
               </a:ext>
             </a:extLst>
           </p:cNvPr>
@@ -236,7 +236,7 @@
           <p:cNvPr id="4" name="日期占位符 3">
             <a:extLst>
               <a:ext uri="{FF2B5EF4-FFF2-40B4-BE49-F238E27FC236}">
-                <a16:creationId xmlns:a16="http://schemas.microsoft.com/office/drawing/2014/main" id="{45FE00BE-3345-6F2A-7DD8-B7120501784A}"/>
+                <a16:creationId xmlns:a16="http://schemas.microsoft.com/office/drawing/2014/main" id="{651C5A3C-088C-AD3D-ADF6-0AE7414F80E2}"/>
               </a:ext>
             </a:extLst>
           </p:cNvPr>
@@ -252,7 +252,7 @@
           <a:bodyPr/>
           <a:lstStyle/>
           <a:p>
-            <a:fld id="{CE73C68D-FD04-40A0-B4C3-735A7DAB00CE}" type="datetimeFigureOut">
+            <a:fld id="{7EC367C4-B7DF-49E7-B2DE-6BEA150A8FF9}" type="datetimeFigureOut">
               <a:rPr lang="zh-CN" altLang="en-US" smtClean="0"/>
               <a:t>2024/3/10</a:t>
             </a:fld>
@@ -265,7 +265,7 @@
           <p:cNvPr id="5" name="页脚占位符 4">
             <a:extLst>
               <a:ext uri="{FF2B5EF4-FFF2-40B4-BE49-F238E27FC236}">
-                <a16:creationId xmlns:a16="http://schemas.microsoft.com/office/drawing/2014/main" id="{C16471BA-01D3-F903-18CC-A31A9F9CC822}"/>
+                <a16:creationId xmlns:a16="http://schemas.microsoft.com/office/drawing/2014/main" id="{AA6A3B84-53B7-F553-9E6B-50E36C2B139B}"/>
               </a:ext>
             </a:extLst>
           </p:cNvPr>
@@ -290,7 +290,7 @@
           <p:cNvPr id="6" name="灯片编号占位符 5">
             <a:extLst>
               <a:ext uri="{FF2B5EF4-FFF2-40B4-BE49-F238E27FC236}">
-                <a16:creationId xmlns:a16="http://schemas.microsoft.com/office/drawing/2014/main" id="{A38F66F8-3D89-25CD-AEF2-0D0257D0C2B7}"/>
+                <a16:creationId xmlns:a16="http://schemas.microsoft.com/office/drawing/2014/main" id="{41102BAD-647F-51EA-8120-3EF75C2FB0C9}"/>
               </a:ext>
             </a:extLst>
           </p:cNvPr>
@@ -306,7 +306,7 @@
           <a:bodyPr/>
           <a:lstStyle/>
           <a:p>
-            <a:fld id="{0E6B2007-4759-4F96-8717-EEE5D3206DB0}" type="slidenum">
+            <a:fld id="{C7821156-4F98-4A03-9C85-8DF2DC4694D1}" type="slidenum">
               <a:rPr lang="zh-CN" altLang="en-US" smtClean="0"/>
               <a:t>‹#›</a:t>
             </a:fld>
@@ -317,7 +317,7 @@
     </p:spTree>
     <p:extLst>
       <p:ext uri="{BB962C8B-B14F-4D97-AF65-F5344CB8AC3E}">
-        <p14:creationId xmlns:p14="http://schemas.microsoft.com/office/powerpoint/2010/main" val="2372880577"/>
+        <p14:creationId xmlns:p14="http://schemas.microsoft.com/office/powerpoint/2010/main" val="974340185"/>
       </p:ext>
     </p:extLst>
   </p:cSld>
@@ -349,7 +349,7 @@
           <p:cNvPr id="2" name="标题 1">
             <a:extLst>
               <a:ext uri="{FF2B5EF4-FFF2-40B4-BE49-F238E27FC236}">
-                <a16:creationId xmlns:a16="http://schemas.microsoft.com/office/drawing/2014/main" id="{7DC3B352-B687-D758-E97A-1D3A0802ED72}"/>
+                <a16:creationId xmlns:a16="http://schemas.microsoft.com/office/drawing/2014/main" id="{53C82551-DEFB-9EDE-3FFB-6291F34AA1C8}"/>
               </a:ext>
             </a:extLst>
           </p:cNvPr>
@@ -377,7 +377,7 @@
           <p:cNvPr id="3" name="竖排文字占位符 2">
             <a:extLst>
               <a:ext uri="{FF2B5EF4-FFF2-40B4-BE49-F238E27FC236}">
-                <a16:creationId xmlns:a16="http://schemas.microsoft.com/office/drawing/2014/main" id="{FCE1009F-9FD7-3459-C564-561553A6D363}"/>
+                <a16:creationId xmlns:a16="http://schemas.microsoft.com/office/drawing/2014/main" id="{C83EB634-BE6F-7212-609E-D557FA501061}"/>
               </a:ext>
             </a:extLst>
           </p:cNvPr>
@@ -434,7 +434,7 @@
           <p:cNvPr id="4" name="日期占位符 3">
             <a:extLst>
               <a:ext uri="{FF2B5EF4-FFF2-40B4-BE49-F238E27FC236}">
-                <a16:creationId xmlns:a16="http://schemas.microsoft.com/office/drawing/2014/main" id="{1868E492-3872-723B-3540-E7AE1AE81D4B}"/>
+                <a16:creationId xmlns:a16="http://schemas.microsoft.com/office/drawing/2014/main" id="{6E84704A-A3F3-5E58-89E1-F646CC7A24D3}"/>
               </a:ext>
             </a:extLst>
           </p:cNvPr>
@@ -450,7 +450,7 @@
           <a:bodyPr/>
           <a:lstStyle/>
           <a:p>
-            <a:fld id="{CE73C68D-FD04-40A0-B4C3-735A7DAB00CE}" type="datetimeFigureOut">
+            <a:fld id="{7EC367C4-B7DF-49E7-B2DE-6BEA150A8FF9}" type="datetimeFigureOut">
               <a:rPr lang="zh-CN" altLang="en-US" smtClean="0"/>
               <a:t>2024/3/10</a:t>
             </a:fld>
@@ -463,7 +463,7 @@
           <p:cNvPr id="5" name="页脚占位符 4">
             <a:extLst>
               <a:ext uri="{FF2B5EF4-FFF2-40B4-BE49-F238E27FC236}">
-                <a16:creationId xmlns:a16="http://schemas.microsoft.com/office/drawing/2014/main" id="{D8ACFB83-94D2-8A02-44C8-3FC5B1B5A2B3}"/>
+                <a16:creationId xmlns:a16="http://schemas.microsoft.com/office/drawing/2014/main" id="{6DF502DD-CB7E-B7F6-0F4F-054DC4ADE2A3}"/>
               </a:ext>
             </a:extLst>
           </p:cNvPr>
@@ -488,7 +488,7 @@
           <p:cNvPr id="6" name="灯片编号占位符 5">
             <a:extLst>
               <a:ext uri="{FF2B5EF4-FFF2-40B4-BE49-F238E27FC236}">
-                <a16:creationId xmlns:a16="http://schemas.microsoft.com/office/drawing/2014/main" id="{3991FDED-4F01-3A7F-030F-95E92B8C784E}"/>
+                <a16:creationId xmlns:a16="http://schemas.microsoft.com/office/drawing/2014/main" id="{AEB91BFA-F933-2783-D98F-4E48DEB1A155}"/>
               </a:ext>
             </a:extLst>
           </p:cNvPr>
@@ -504,7 +504,7 @@
           <a:bodyPr/>
           <a:lstStyle/>
           <a:p>
-            <a:fld id="{0E6B2007-4759-4F96-8717-EEE5D3206DB0}" type="slidenum">
+            <a:fld id="{C7821156-4F98-4A03-9C85-8DF2DC4694D1}" type="slidenum">
               <a:rPr lang="zh-CN" altLang="en-US" smtClean="0"/>
               <a:t>‹#›</a:t>
             </a:fld>
@@ -515,7 +515,7 @@
     </p:spTree>
     <p:extLst>
       <p:ext uri="{BB962C8B-B14F-4D97-AF65-F5344CB8AC3E}">
-        <p14:creationId xmlns:p14="http://schemas.microsoft.com/office/powerpoint/2010/main" val="621358400"/>
+        <p14:creationId xmlns:p14="http://schemas.microsoft.com/office/powerpoint/2010/main" val="563560215"/>
       </p:ext>
     </p:extLst>
   </p:cSld>
@@ -547,7 +547,7 @@
           <p:cNvPr id="2" name="竖排标题 1">
             <a:extLst>
               <a:ext uri="{FF2B5EF4-FFF2-40B4-BE49-F238E27FC236}">
-                <a16:creationId xmlns:a16="http://schemas.microsoft.com/office/drawing/2014/main" id="{904ACAB9-48CC-9A74-B429-9939C2713C77}"/>
+                <a16:creationId xmlns:a16="http://schemas.microsoft.com/office/drawing/2014/main" id="{8327891A-3DA6-3F30-C6FF-4C36A82844BA}"/>
               </a:ext>
             </a:extLst>
           </p:cNvPr>
@@ -580,7 +580,7 @@
           <p:cNvPr id="3" name="竖排文字占位符 2">
             <a:extLst>
               <a:ext uri="{FF2B5EF4-FFF2-40B4-BE49-F238E27FC236}">
-                <a16:creationId xmlns:a16="http://schemas.microsoft.com/office/drawing/2014/main" id="{65F98B7A-C538-AE23-C10C-55B434890E1A}"/>
+                <a16:creationId xmlns:a16="http://schemas.microsoft.com/office/drawing/2014/main" id="{938405DB-55E7-4C8B-442A-3270A314E472}"/>
               </a:ext>
             </a:extLst>
           </p:cNvPr>
@@ -642,7 +642,7 @@
           <p:cNvPr id="4" name="日期占位符 3">
             <a:extLst>
               <a:ext uri="{FF2B5EF4-FFF2-40B4-BE49-F238E27FC236}">
-                <a16:creationId xmlns:a16="http://schemas.microsoft.com/office/drawing/2014/main" id="{8C309B58-F4A8-077E-B216-8AD95188C491}"/>
+                <a16:creationId xmlns:a16="http://schemas.microsoft.com/office/drawing/2014/main" id="{A2E6B711-0330-B76D-4587-58675A7A8490}"/>
               </a:ext>
             </a:extLst>
           </p:cNvPr>
@@ -658,7 +658,7 @@
           <a:bodyPr/>
           <a:lstStyle/>
           <a:p>
-            <a:fld id="{CE73C68D-FD04-40A0-B4C3-735A7DAB00CE}" type="datetimeFigureOut">
+            <a:fld id="{7EC367C4-B7DF-49E7-B2DE-6BEA150A8FF9}" type="datetimeFigureOut">
               <a:rPr lang="zh-CN" altLang="en-US" smtClean="0"/>
               <a:t>2024/3/10</a:t>
             </a:fld>
@@ -671,7 +671,7 @@
           <p:cNvPr id="5" name="页脚占位符 4">
             <a:extLst>
               <a:ext uri="{FF2B5EF4-FFF2-40B4-BE49-F238E27FC236}">
-                <a16:creationId xmlns:a16="http://schemas.microsoft.com/office/drawing/2014/main" id="{06617016-658D-2EBE-F3EB-72D74891347B}"/>
+                <a16:creationId xmlns:a16="http://schemas.microsoft.com/office/drawing/2014/main" id="{81F59DB9-1BDC-BF97-13AE-D5070AD3C8B2}"/>
               </a:ext>
             </a:extLst>
           </p:cNvPr>
@@ -696,7 +696,7 @@
           <p:cNvPr id="6" name="灯片编号占位符 5">
             <a:extLst>
               <a:ext uri="{FF2B5EF4-FFF2-40B4-BE49-F238E27FC236}">
-                <a16:creationId xmlns:a16="http://schemas.microsoft.com/office/drawing/2014/main" id="{ABB54C71-1048-EFC3-05C3-9DDC2B55FE06}"/>
+                <a16:creationId xmlns:a16="http://schemas.microsoft.com/office/drawing/2014/main" id="{4E873882-411D-7139-3CD8-63DF719F6483}"/>
               </a:ext>
             </a:extLst>
           </p:cNvPr>
@@ -712,7 +712,7 @@
           <a:bodyPr/>
           <a:lstStyle/>
           <a:p>
-            <a:fld id="{0E6B2007-4759-4F96-8717-EEE5D3206DB0}" type="slidenum">
+            <a:fld id="{C7821156-4F98-4A03-9C85-8DF2DC4694D1}" type="slidenum">
               <a:rPr lang="zh-CN" altLang="en-US" smtClean="0"/>
               <a:t>‹#›</a:t>
             </a:fld>
@@ -723,7 +723,7 @@
     </p:spTree>
     <p:extLst>
       <p:ext uri="{BB962C8B-B14F-4D97-AF65-F5344CB8AC3E}">
-        <p14:creationId xmlns:p14="http://schemas.microsoft.com/office/powerpoint/2010/main" val="314420840"/>
+        <p14:creationId xmlns:p14="http://schemas.microsoft.com/office/powerpoint/2010/main" val="1219105087"/>
       </p:ext>
     </p:extLst>
   </p:cSld>
@@ -755,7 +755,7 @@
           <p:cNvPr id="2" name="标题 1">
             <a:extLst>
               <a:ext uri="{FF2B5EF4-FFF2-40B4-BE49-F238E27FC236}">
-                <a16:creationId xmlns:a16="http://schemas.microsoft.com/office/drawing/2014/main" id="{A49B7E5C-83E5-CF22-5561-95B222F2D748}"/>
+                <a16:creationId xmlns:a16="http://schemas.microsoft.com/office/drawing/2014/main" id="{AAB1FE8D-5AE7-D49F-7BF3-E38C60915511}"/>
               </a:ext>
             </a:extLst>
           </p:cNvPr>
@@ -783,7 +783,7 @@
           <p:cNvPr id="3" name="内容占位符 2">
             <a:extLst>
               <a:ext uri="{FF2B5EF4-FFF2-40B4-BE49-F238E27FC236}">
-                <a16:creationId xmlns:a16="http://schemas.microsoft.com/office/drawing/2014/main" id="{D64175D1-88D3-A157-5752-6CDDEBAE1BDD}"/>
+                <a16:creationId xmlns:a16="http://schemas.microsoft.com/office/drawing/2014/main" id="{B8E9ED15-61CC-6DC6-7BC3-953230C3B654}"/>
               </a:ext>
             </a:extLst>
           </p:cNvPr>
@@ -840,7 +840,7 @@
           <p:cNvPr id="4" name="日期占位符 3">
             <a:extLst>
               <a:ext uri="{FF2B5EF4-FFF2-40B4-BE49-F238E27FC236}">
-                <a16:creationId xmlns:a16="http://schemas.microsoft.com/office/drawing/2014/main" id="{01B290BE-E60C-1011-A99C-A20E57DFAED5}"/>
+                <a16:creationId xmlns:a16="http://schemas.microsoft.com/office/drawing/2014/main" id="{9001C2C8-D2F0-5D44-4CF1-4DAF5363C748}"/>
               </a:ext>
             </a:extLst>
           </p:cNvPr>
@@ -856,7 +856,7 @@
           <a:bodyPr/>
           <a:lstStyle/>
           <a:p>
-            <a:fld id="{CE73C68D-FD04-40A0-B4C3-735A7DAB00CE}" type="datetimeFigureOut">
+            <a:fld id="{7EC367C4-B7DF-49E7-B2DE-6BEA150A8FF9}" type="datetimeFigureOut">
               <a:rPr lang="zh-CN" altLang="en-US" smtClean="0"/>
               <a:t>2024/3/10</a:t>
             </a:fld>
@@ -869,7 +869,7 @@
           <p:cNvPr id="5" name="页脚占位符 4">
             <a:extLst>
               <a:ext uri="{FF2B5EF4-FFF2-40B4-BE49-F238E27FC236}">
-                <a16:creationId xmlns:a16="http://schemas.microsoft.com/office/drawing/2014/main" id="{BB789701-D789-842A-85C0-8422B2E3DB62}"/>
+                <a16:creationId xmlns:a16="http://schemas.microsoft.com/office/drawing/2014/main" id="{7B39B895-199F-5C27-0061-94CB3CF20705}"/>
               </a:ext>
             </a:extLst>
           </p:cNvPr>
@@ -894,7 +894,7 @@
           <p:cNvPr id="6" name="灯片编号占位符 5">
             <a:extLst>
               <a:ext uri="{FF2B5EF4-FFF2-40B4-BE49-F238E27FC236}">
-                <a16:creationId xmlns:a16="http://schemas.microsoft.com/office/drawing/2014/main" id="{7789E725-DADA-2951-6200-990CE4EE73B3}"/>
+                <a16:creationId xmlns:a16="http://schemas.microsoft.com/office/drawing/2014/main" id="{00772F5A-DA89-D8C5-24C3-CE63A314B148}"/>
               </a:ext>
             </a:extLst>
           </p:cNvPr>
@@ -910,7 +910,7 @@
           <a:bodyPr/>
           <a:lstStyle/>
           <a:p>
-            <a:fld id="{0E6B2007-4759-4F96-8717-EEE5D3206DB0}" type="slidenum">
+            <a:fld id="{C7821156-4F98-4A03-9C85-8DF2DC4694D1}" type="slidenum">
               <a:rPr lang="zh-CN" altLang="en-US" smtClean="0"/>
               <a:t>‹#›</a:t>
             </a:fld>
@@ -921,7 +921,7 @@
     </p:spTree>
     <p:extLst>
       <p:ext uri="{BB962C8B-B14F-4D97-AF65-F5344CB8AC3E}">
-        <p14:creationId xmlns:p14="http://schemas.microsoft.com/office/powerpoint/2010/main" val="3502411964"/>
+        <p14:creationId xmlns:p14="http://schemas.microsoft.com/office/powerpoint/2010/main" val="1212332514"/>
       </p:ext>
     </p:extLst>
   </p:cSld>
@@ -953,7 +953,7 @@
           <p:cNvPr id="2" name="标题 1">
             <a:extLst>
               <a:ext uri="{FF2B5EF4-FFF2-40B4-BE49-F238E27FC236}">
-                <a16:creationId xmlns:a16="http://schemas.microsoft.com/office/drawing/2014/main" id="{045C0E75-BCD0-392B-7958-AFF9D4196882}"/>
+                <a16:creationId xmlns:a16="http://schemas.microsoft.com/office/drawing/2014/main" id="{849705B3-7C0B-CE83-F271-07A1B8117615}"/>
               </a:ext>
             </a:extLst>
           </p:cNvPr>
@@ -990,7 +990,7 @@
           <p:cNvPr id="3" name="文本占位符 2">
             <a:extLst>
               <a:ext uri="{FF2B5EF4-FFF2-40B4-BE49-F238E27FC236}">
-                <a16:creationId xmlns:a16="http://schemas.microsoft.com/office/drawing/2014/main" id="{DEFE7C77-70FD-BCB5-CC12-289EA6F94A03}"/>
+                <a16:creationId xmlns:a16="http://schemas.microsoft.com/office/drawing/2014/main" id="{A01C23BD-9FE9-A4F4-5F56-AA3DFB84FFB5}"/>
               </a:ext>
             </a:extLst>
           </p:cNvPr>
@@ -1115,7 +1115,7 @@
           <p:cNvPr id="4" name="日期占位符 3">
             <a:extLst>
               <a:ext uri="{FF2B5EF4-FFF2-40B4-BE49-F238E27FC236}">
-                <a16:creationId xmlns:a16="http://schemas.microsoft.com/office/drawing/2014/main" id="{E8DFC0AE-8D73-DF11-57C4-D5065BE55EC2}"/>
+                <a16:creationId xmlns:a16="http://schemas.microsoft.com/office/drawing/2014/main" id="{C6484E72-65D7-BB83-6D98-D76A2CAAC2B5}"/>
               </a:ext>
             </a:extLst>
           </p:cNvPr>
@@ -1131,7 +1131,7 @@
           <a:bodyPr/>
           <a:lstStyle/>
           <a:p>
-            <a:fld id="{CE73C68D-FD04-40A0-B4C3-735A7DAB00CE}" type="datetimeFigureOut">
+            <a:fld id="{7EC367C4-B7DF-49E7-B2DE-6BEA150A8FF9}" type="datetimeFigureOut">
               <a:rPr lang="zh-CN" altLang="en-US" smtClean="0"/>
               <a:t>2024/3/10</a:t>
             </a:fld>
@@ -1144,7 +1144,7 @@
           <p:cNvPr id="5" name="页脚占位符 4">
             <a:extLst>
               <a:ext uri="{FF2B5EF4-FFF2-40B4-BE49-F238E27FC236}">
-                <a16:creationId xmlns:a16="http://schemas.microsoft.com/office/drawing/2014/main" id="{859BB217-3F50-02EA-44B4-8774EA5B3A49}"/>
+                <a16:creationId xmlns:a16="http://schemas.microsoft.com/office/drawing/2014/main" id="{C6079328-69FA-C74D-6D91-2207429D9AA7}"/>
               </a:ext>
             </a:extLst>
           </p:cNvPr>
@@ -1169,7 +1169,7 @@
           <p:cNvPr id="6" name="灯片编号占位符 5">
             <a:extLst>
               <a:ext uri="{FF2B5EF4-FFF2-40B4-BE49-F238E27FC236}">
-                <a16:creationId xmlns:a16="http://schemas.microsoft.com/office/drawing/2014/main" id="{7EC199F6-B069-5B9F-4DD9-9B6E3E963C03}"/>
+                <a16:creationId xmlns:a16="http://schemas.microsoft.com/office/drawing/2014/main" id="{854AB947-DEF5-DB53-5289-9584A30D49B4}"/>
               </a:ext>
             </a:extLst>
           </p:cNvPr>
@@ -1185,7 +1185,7 @@
           <a:bodyPr/>
           <a:lstStyle/>
           <a:p>
-            <a:fld id="{0E6B2007-4759-4F96-8717-EEE5D3206DB0}" type="slidenum">
+            <a:fld id="{C7821156-4F98-4A03-9C85-8DF2DC4694D1}" type="slidenum">
               <a:rPr lang="zh-CN" altLang="en-US" smtClean="0"/>
               <a:t>‹#›</a:t>
             </a:fld>
@@ -1196,7 +1196,7 @@
     </p:spTree>
     <p:extLst>
       <p:ext uri="{BB962C8B-B14F-4D97-AF65-F5344CB8AC3E}">
-        <p14:creationId xmlns:p14="http://schemas.microsoft.com/office/powerpoint/2010/main" val="3308013051"/>
+        <p14:creationId xmlns:p14="http://schemas.microsoft.com/office/powerpoint/2010/main" val="1224463543"/>
       </p:ext>
     </p:extLst>
   </p:cSld>
@@ -1228,7 +1228,7 @@
           <p:cNvPr id="2" name="标题 1">
             <a:extLst>
               <a:ext uri="{FF2B5EF4-FFF2-40B4-BE49-F238E27FC236}">
-                <a16:creationId xmlns:a16="http://schemas.microsoft.com/office/drawing/2014/main" id="{53929FD2-CABF-031D-7591-B3BDE71F47CC}"/>
+                <a16:creationId xmlns:a16="http://schemas.microsoft.com/office/drawing/2014/main" id="{E40C2ECD-BAB8-A6B2-E238-B19586CBD033}"/>
               </a:ext>
             </a:extLst>
           </p:cNvPr>
@@ -1256,7 +1256,7 @@
           <p:cNvPr id="3" name="内容占位符 2">
             <a:extLst>
               <a:ext uri="{FF2B5EF4-FFF2-40B4-BE49-F238E27FC236}">
-                <a16:creationId xmlns:a16="http://schemas.microsoft.com/office/drawing/2014/main" id="{5316DFCF-0730-5A17-558E-BF44D72D1C14}"/>
+                <a16:creationId xmlns:a16="http://schemas.microsoft.com/office/drawing/2014/main" id="{80D570C2-110B-54F7-0A13-3BC275A8F7F6}"/>
               </a:ext>
             </a:extLst>
           </p:cNvPr>
@@ -1318,7 +1318,7 @@
           <p:cNvPr id="4" name="内容占位符 3">
             <a:extLst>
               <a:ext uri="{FF2B5EF4-FFF2-40B4-BE49-F238E27FC236}">
-                <a16:creationId xmlns:a16="http://schemas.microsoft.com/office/drawing/2014/main" id="{8897B623-92E2-91FC-BD2F-6CD76F220A34}"/>
+                <a16:creationId xmlns:a16="http://schemas.microsoft.com/office/drawing/2014/main" id="{45AE7B0C-6EB7-DB89-8D55-89C9CE77D73F}"/>
               </a:ext>
             </a:extLst>
           </p:cNvPr>
@@ -1380,7 +1380,7 @@
           <p:cNvPr id="5" name="日期占位符 4">
             <a:extLst>
               <a:ext uri="{FF2B5EF4-FFF2-40B4-BE49-F238E27FC236}">
-                <a16:creationId xmlns:a16="http://schemas.microsoft.com/office/drawing/2014/main" id="{2B6A075A-B4B7-24FB-2311-6C5398A0A937}"/>
+                <a16:creationId xmlns:a16="http://schemas.microsoft.com/office/drawing/2014/main" id="{4237572C-B16A-E741-8C15-FE11304ACEBF}"/>
               </a:ext>
             </a:extLst>
           </p:cNvPr>
@@ -1396,7 +1396,7 @@
           <a:bodyPr/>
           <a:lstStyle/>
           <a:p>
-            <a:fld id="{CE73C68D-FD04-40A0-B4C3-735A7DAB00CE}" type="datetimeFigureOut">
+            <a:fld id="{7EC367C4-B7DF-49E7-B2DE-6BEA150A8FF9}" type="datetimeFigureOut">
               <a:rPr lang="zh-CN" altLang="en-US" smtClean="0"/>
               <a:t>2024/3/10</a:t>
             </a:fld>
@@ -1409,7 +1409,7 @@
           <p:cNvPr id="6" name="页脚占位符 5">
             <a:extLst>
               <a:ext uri="{FF2B5EF4-FFF2-40B4-BE49-F238E27FC236}">
-                <a16:creationId xmlns:a16="http://schemas.microsoft.com/office/drawing/2014/main" id="{4D2B6BFC-632E-DDFC-BE7C-A66415491020}"/>
+                <a16:creationId xmlns:a16="http://schemas.microsoft.com/office/drawing/2014/main" id="{8B36BD66-2C80-5809-065D-85CB6D7D2D94}"/>
               </a:ext>
             </a:extLst>
           </p:cNvPr>
@@ -1434,7 +1434,7 @@
           <p:cNvPr id="7" name="灯片编号占位符 6">
             <a:extLst>
               <a:ext uri="{FF2B5EF4-FFF2-40B4-BE49-F238E27FC236}">
-                <a16:creationId xmlns:a16="http://schemas.microsoft.com/office/drawing/2014/main" id="{A1C7DCE5-97C9-2141-4A02-DF4175971645}"/>
+                <a16:creationId xmlns:a16="http://schemas.microsoft.com/office/drawing/2014/main" id="{F217CBF5-41AF-3D9A-F43C-8E6877C749F4}"/>
               </a:ext>
             </a:extLst>
           </p:cNvPr>
@@ -1450,7 +1450,7 @@
           <a:bodyPr/>
           <a:lstStyle/>
           <a:p>
-            <a:fld id="{0E6B2007-4759-4F96-8717-EEE5D3206DB0}" type="slidenum">
+            <a:fld id="{C7821156-4F98-4A03-9C85-8DF2DC4694D1}" type="slidenum">
               <a:rPr lang="zh-CN" altLang="en-US" smtClean="0"/>
               <a:t>‹#›</a:t>
             </a:fld>
@@ -1461,7 +1461,7 @@
     </p:spTree>
     <p:extLst>
       <p:ext uri="{BB962C8B-B14F-4D97-AF65-F5344CB8AC3E}">
-        <p14:creationId xmlns:p14="http://schemas.microsoft.com/office/powerpoint/2010/main" val="3316448518"/>
+        <p14:creationId xmlns:p14="http://schemas.microsoft.com/office/powerpoint/2010/main" val="2925040276"/>
       </p:ext>
     </p:extLst>
   </p:cSld>
@@ -1493,7 +1493,7 @@
           <p:cNvPr id="2" name="标题 1">
             <a:extLst>
               <a:ext uri="{FF2B5EF4-FFF2-40B4-BE49-F238E27FC236}">
-                <a16:creationId xmlns:a16="http://schemas.microsoft.com/office/drawing/2014/main" id="{21C38CAF-A280-48BB-F799-38A82D7AD209}"/>
+                <a16:creationId xmlns:a16="http://schemas.microsoft.com/office/drawing/2014/main" id="{230EDB7D-EDE4-1E39-B283-096459053A83}"/>
               </a:ext>
             </a:extLst>
           </p:cNvPr>
@@ -1526,7 +1526,7 @@
           <p:cNvPr id="3" name="文本占位符 2">
             <a:extLst>
               <a:ext uri="{FF2B5EF4-FFF2-40B4-BE49-F238E27FC236}">
-                <a16:creationId xmlns:a16="http://schemas.microsoft.com/office/drawing/2014/main" id="{9EE230B0-7FA0-A1FF-2766-122022043A3C}"/>
+                <a16:creationId xmlns:a16="http://schemas.microsoft.com/office/drawing/2014/main" id="{406A30EA-5B26-7C65-91C8-7DD0566273E1}"/>
               </a:ext>
             </a:extLst>
           </p:cNvPr>
@@ -1597,7 +1597,7 @@
           <p:cNvPr id="4" name="内容占位符 3">
             <a:extLst>
               <a:ext uri="{FF2B5EF4-FFF2-40B4-BE49-F238E27FC236}">
-                <a16:creationId xmlns:a16="http://schemas.microsoft.com/office/drawing/2014/main" id="{2A43AD21-C30C-DF18-6F8D-31292AEABBD3}"/>
+                <a16:creationId xmlns:a16="http://schemas.microsoft.com/office/drawing/2014/main" id="{4A5844A4-8470-27B4-6974-FF89216D064A}"/>
               </a:ext>
             </a:extLst>
           </p:cNvPr>
@@ -1659,7 +1659,7 @@
           <p:cNvPr id="5" name="文本占位符 4">
             <a:extLst>
               <a:ext uri="{FF2B5EF4-FFF2-40B4-BE49-F238E27FC236}">
-                <a16:creationId xmlns:a16="http://schemas.microsoft.com/office/drawing/2014/main" id="{8EC95B0B-1AE0-E29C-45C7-5E4BF257F284}"/>
+                <a16:creationId xmlns:a16="http://schemas.microsoft.com/office/drawing/2014/main" id="{AB8DAA3D-1BA4-231A-B61A-F65E586ADE18}"/>
               </a:ext>
             </a:extLst>
           </p:cNvPr>
@@ -1730,7 +1730,7 @@
           <p:cNvPr id="6" name="内容占位符 5">
             <a:extLst>
               <a:ext uri="{FF2B5EF4-FFF2-40B4-BE49-F238E27FC236}">
-                <a16:creationId xmlns:a16="http://schemas.microsoft.com/office/drawing/2014/main" id="{207AE73B-2282-085A-C707-4A59A26DC421}"/>
+                <a16:creationId xmlns:a16="http://schemas.microsoft.com/office/drawing/2014/main" id="{C11B4161-8691-7A3F-3815-53CC3F2554E5}"/>
               </a:ext>
             </a:extLst>
           </p:cNvPr>
@@ -1792,7 +1792,7 @@
           <p:cNvPr id="7" name="日期占位符 6">
             <a:extLst>
               <a:ext uri="{FF2B5EF4-FFF2-40B4-BE49-F238E27FC236}">
-                <a16:creationId xmlns:a16="http://schemas.microsoft.com/office/drawing/2014/main" id="{27141D38-3BBC-387B-24E3-C79900215920}"/>
+                <a16:creationId xmlns:a16="http://schemas.microsoft.com/office/drawing/2014/main" id="{966BD10C-6605-3060-E77E-166F8F24680A}"/>
               </a:ext>
             </a:extLst>
           </p:cNvPr>
@@ -1808,7 +1808,7 @@
           <a:bodyPr/>
           <a:lstStyle/>
           <a:p>
-            <a:fld id="{CE73C68D-FD04-40A0-B4C3-735A7DAB00CE}" type="datetimeFigureOut">
+            <a:fld id="{7EC367C4-B7DF-49E7-B2DE-6BEA150A8FF9}" type="datetimeFigureOut">
               <a:rPr lang="zh-CN" altLang="en-US" smtClean="0"/>
               <a:t>2024/3/10</a:t>
             </a:fld>
@@ -1821,7 +1821,7 @@
           <p:cNvPr id="8" name="页脚占位符 7">
             <a:extLst>
               <a:ext uri="{FF2B5EF4-FFF2-40B4-BE49-F238E27FC236}">
-                <a16:creationId xmlns:a16="http://schemas.microsoft.com/office/drawing/2014/main" id="{52C3BB8F-2A7D-A6FD-8309-C24208689582}"/>
+                <a16:creationId xmlns:a16="http://schemas.microsoft.com/office/drawing/2014/main" id="{8402C943-EB55-8544-6355-CD04F762515A}"/>
               </a:ext>
             </a:extLst>
           </p:cNvPr>
@@ -1846,7 +1846,7 @@
           <p:cNvPr id="9" name="灯片编号占位符 8">
             <a:extLst>
               <a:ext uri="{FF2B5EF4-FFF2-40B4-BE49-F238E27FC236}">
-                <a16:creationId xmlns:a16="http://schemas.microsoft.com/office/drawing/2014/main" id="{AD5380BF-766F-AD8D-E50A-B7C011CCD0B0}"/>
+                <a16:creationId xmlns:a16="http://schemas.microsoft.com/office/drawing/2014/main" id="{2930972F-C764-0718-D769-6D9D2DAD4E29}"/>
               </a:ext>
             </a:extLst>
           </p:cNvPr>
@@ -1862,7 +1862,7 @@
           <a:bodyPr/>
           <a:lstStyle/>
           <a:p>
-            <a:fld id="{0E6B2007-4759-4F96-8717-EEE5D3206DB0}" type="slidenum">
+            <a:fld id="{C7821156-4F98-4A03-9C85-8DF2DC4694D1}" type="slidenum">
               <a:rPr lang="zh-CN" altLang="en-US" smtClean="0"/>
               <a:t>‹#›</a:t>
             </a:fld>
@@ -1873,7 +1873,7 @@
     </p:spTree>
     <p:extLst>
       <p:ext uri="{BB962C8B-B14F-4D97-AF65-F5344CB8AC3E}">
-        <p14:creationId xmlns:p14="http://schemas.microsoft.com/office/powerpoint/2010/main" val="3807584401"/>
+        <p14:creationId xmlns:p14="http://schemas.microsoft.com/office/powerpoint/2010/main" val="2664060239"/>
       </p:ext>
     </p:extLst>
   </p:cSld>
@@ -1905,7 +1905,7 @@
           <p:cNvPr id="2" name="标题 1">
             <a:extLst>
               <a:ext uri="{FF2B5EF4-FFF2-40B4-BE49-F238E27FC236}">
-                <a16:creationId xmlns:a16="http://schemas.microsoft.com/office/drawing/2014/main" id="{E36BE422-3DC2-FCBD-FAA8-298E11ACB866}"/>
+                <a16:creationId xmlns:a16="http://schemas.microsoft.com/office/drawing/2014/main" id="{B0A844C4-3AD3-002D-482F-772EE1AD229F}"/>
               </a:ext>
             </a:extLst>
           </p:cNvPr>
@@ -1933,7 +1933,7 @@
           <p:cNvPr id="3" name="日期占位符 2">
             <a:extLst>
               <a:ext uri="{FF2B5EF4-FFF2-40B4-BE49-F238E27FC236}">
-                <a16:creationId xmlns:a16="http://schemas.microsoft.com/office/drawing/2014/main" id="{131CF0FE-FF92-C194-B629-7DA5A77AB477}"/>
+                <a16:creationId xmlns:a16="http://schemas.microsoft.com/office/drawing/2014/main" id="{F2B30C59-D633-283F-2E1A-D8C7E0DFF051}"/>
               </a:ext>
             </a:extLst>
           </p:cNvPr>
@@ -1949,7 +1949,7 @@
           <a:bodyPr/>
           <a:lstStyle/>
           <a:p>
-            <a:fld id="{CE73C68D-FD04-40A0-B4C3-735A7DAB00CE}" type="datetimeFigureOut">
+            <a:fld id="{7EC367C4-B7DF-49E7-B2DE-6BEA150A8FF9}" type="datetimeFigureOut">
               <a:rPr lang="zh-CN" altLang="en-US" smtClean="0"/>
               <a:t>2024/3/10</a:t>
             </a:fld>
@@ -1962,7 +1962,7 @@
           <p:cNvPr id="4" name="页脚占位符 3">
             <a:extLst>
               <a:ext uri="{FF2B5EF4-FFF2-40B4-BE49-F238E27FC236}">
-                <a16:creationId xmlns:a16="http://schemas.microsoft.com/office/drawing/2014/main" id="{D07408BE-4DD3-4DED-71FE-7733F8E31289}"/>
+                <a16:creationId xmlns:a16="http://schemas.microsoft.com/office/drawing/2014/main" id="{756C9EB1-FB55-CEDA-3333-6885E9BC2D85}"/>
               </a:ext>
             </a:extLst>
           </p:cNvPr>
@@ -1987,7 +1987,7 @@
           <p:cNvPr id="5" name="灯片编号占位符 4">
             <a:extLst>
               <a:ext uri="{FF2B5EF4-FFF2-40B4-BE49-F238E27FC236}">
-                <a16:creationId xmlns:a16="http://schemas.microsoft.com/office/drawing/2014/main" id="{247A10F8-F5AD-C17B-256E-B2A6D6FE215D}"/>
+                <a16:creationId xmlns:a16="http://schemas.microsoft.com/office/drawing/2014/main" id="{14B1786E-F853-D9D1-E066-F2492C0F0625}"/>
               </a:ext>
             </a:extLst>
           </p:cNvPr>
@@ -2003,7 +2003,7 @@
           <a:bodyPr/>
           <a:lstStyle/>
           <a:p>
-            <a:fld id="{0E6B2007-4759-4F96-8717-EEE5D3206DB0}" type="slidenum">
+            <a:fld id="{C7821156-4F98-4A03-9C85-8DF2DC4694D1}" type="slidenum">
               <a:rPr lang="zh-CN" altLang="en-US" smtClean="0"/>
               <a:t>‹#›</a:t>
             </a:fld>
@@ -2014,7 +2014,7 @@
     </p:spTree>
     <p:extLst>
       <p:ext uri="{BB962C8B-B14F-4D97-AF65-F5344CB8AC3E}">
-        <p14:creationId xmlns:p14="http://schemas.microsoft.com/office/powerpoint/2010/main" val="292836557"/>
+        <p14:creationId xmlns:p14="http://schemas.microsoft.com/office/powerpoint/2010/main" val="2382565903"/>
       </p:ext>
     </p:extLst>
   </p:cSld>
@@ -2046,7 +2046,7 @@
           <p:cNvPr id="2" name="日期占位符 1">
             <a:extLst>
               <a:ext uri="{FF2B5EF4-FFF2-40B4-BE49-F238E27FC236}">
-                <a16:creationId xmlns:a16="http://schemas.microsoft.com/office/drawing/2014/main" id="{89BF1DDA-7229-4820-F171-CF02917D8FDE}"/>
+                <a16:creationId xmlns:a16="http://schemas.microsoft.com/office/drawing/2014/main" id="{8DA34F0E-243F-295B-908B-B665E7753F03}"/>
               </a:ext>
             </a:extLst>
           </p:cNvPr>
@@ -2062,7 +2062,7 @@
           <a:bodyPr/>
           <a:lstStyle/>
           <a:p>
-            <a:fld id="{CE73C68D-FD04-40A0-B4C3-735A7DAB00CE}" type="datetimeFigureOut">
+            <a:fld id="{7EC367C4-B7DF-49E7-B2DE-6BEA150A8FF9}" type="datetimeFigureOut">
               <a:rPr lang="zh-CN" altLang="en-US" smtClean="0"/>
               <a:t>2024/3/10</a:t>
             </a:fld>
@@ -2075,7 +2075,7 @@
           <p:cNvPr id="3" name="页脚占位符 2">
             <a:extLst>
               <a:ext uri="{FF2B5EF4-FFF2-40B4-BE49-F238E27FC236}">
-                <a16:creationId xmlns:a16="http://schemas.microsoft.com/office/drawing/2014/main" id="{04D48CF0-9B0A-6A4D-171B-A638DB7F914E}"/>
+                <a16:creationId xmlns:a16="http://schemas.microsoft.com/office/drawing/2014/main" id="{E8863A83-699B-773C-DF57-265858C14A76}"/>
               </a:ext>
             </a:extLst>
           </p:cNvPr>
@@ -2100,7 +2100,7 @@
           <p:cNvPr id="4" name="灯片编号占位符 3">
             <a:extLst>
               <a:ext uri="{FF2B5EF4-FFF2-40B4-BE49-F238E27FC236}">
-                <a16:creationId xmlns:a16="http://schemas.microsoft.com/office/drawing/2014/main" id="{6886661B-7D8C-BA9F-6691-416383C4E108}"/>
+                <a16:creationId xmlns:a16="http://schemas.microsoft.com/office/drawing/2014/main" id="{37F1B944-2967-FFF9-93BA-5842F659135C}"/>
               </a:ext>
             </a:extLst>
           </p:cNvPr>
@@ -2116,7 +2116,7 @@
           <a:bodyPr/>
           <a:lstStyle/>
           <a:p>
-            <a:fld id="{0E6B2007-4759-4F96-8717-EEE5D3206DB0}" type="slidenum">
+            <a:fld id="{C7821156-4F98-4A03-9C85-8DF2DC4694D1}" type="slidenum">
               <a:rPr lang="zh-CN" altLang="en-US" smtClean="0"/>
               <a:t>‹#›</a:t>
             </a:fld>
@@ -2127,7 +2127,7 @@
     </p:spTree>
     <p:extLst>
       <p:ext uri="{BB962C8B-B14F-4D97-AF65-F5344CB8AC3E}">
-        <p14:creationId xmlns:p14="http://schemas.microsoft.com/office/powerpoint/2010/main" val="2655235368"/>
+        <p14:creationId xmlns:p14="http://schemas.microsoft.com/office/powerpoint/2010/main" val="2824495172"/>
       </p:ext>
     </p:extLst>
   </p:cSld>
@@ -2159,7 +2159,7 @@
           <p:cNvPr id="2" name="标题 1">
             <a:extLst>
               <a:ext uri="{FF2B5EF4-FFF2-40B4-BE49-F238E27FC236}">
-                <a16:creationId xmlns:a16="http://schemas.microsoft.com/office/drawing/2014/main" id="{05F1FB27-F855-8EAF-8DD4-85B9DB2539AE}"/>
+                <a16:creationId xmlns:a16="http://schemas.microsoft.com/office/drawing/2014/main" id="{DFA655CF-EFBA-68F9-95E7-685A7DE7A645}"/>
               </a:ext>
             </a:extLst>
           </p:cNvPr>
@@ -2196,7 +2196,7 @@
           <p:cNvPr id="3" name="内容占位符 2">
             <a:extLst>
               <a:ext uri="{FF2B5EF4-FFF2-40B4-BE49-F238E27FC236}">
-                <a16:creationId xmlns:a16="http://schemas.microsoft.com/office/drawing/2014/main" id="{9B909CBA-42DA-D24E-55A5-B465EF6352B7}"/>
+                <a16:creationId xmlns:a16="http://schemas.microsoft.com/office/drawing/2014/main" id="{DF41EF81-BE55-49E0-C6F1-9171F3349A67}"/>
               </a:ext>
             </a:extLst>
           </p:cNvPr>
@@ -2286,7 +2286,7 @@
           <p:cNvPr id="4" name="文本占位符 3">
             <a:extLst>
               <a:ext uri="{FF2B5EF4-FFF2-40B4-BE49-F238E27FC236}">
-                <a16:creationId xmlns:a16="http://schemas.microsoft.com/office/drawing/2014/main" id="{AA1F9CB8-3FE0-4C7D-5689-1890FB71C866}"/>
+                <a16:creationId xmlns:a16="http://schemas.microsoft.com/office/drawing/2014/main" id="{BF3FD6A8-2730-BEBF-B97B-7EFF1D84D560}"/>
               </a:ext>
             </a:extLst>
           </p:cNvPr>
@@ -2357,7 +2357,7 @@
           <p:cNvPr id="5" name="日期占位符 4">
             <a:extLst>
               <a:ext uri="{FF2B5EF4-FFF2-40B4-BE49-F238E27FC236}">
-                <a16:creationId xmlns:a16="http://schemas.microsoft.com/office/drawing/2014/main" id="{8F0D7CD6-E252-8C54-ED42-6C3FA6EBE8B5}"/>
+                <a16:creationId xmlns:a16="http://schemas.microsoft.com/office/drawing/2014/main" id="{0537D3A3-7C2A-4205-A5DA-FCF48866EF7F}"/>
               </a:ext>
             </a:extLst>
           </p:cNvPr>
@@ -2373,7 +2373,7 @@
           <a:bodyPr/>
           <a:lstStyle/>
           <a:p>
-            <a:fld id="{CE73C68D-FD04-40A0-B4C3-735A7DAB00CE}" type="datetimeFigureOut">
+            <a:fld id="{7EC367C4-B7DF-49E7-B2DE-6BEA150A8FF9}" type="datetimeFigureOut">
               <a:rPr lang="zh-CN" altLang="en-US" smtClean="0"/>
               <a:t>2024/3/10</a:t>
             </a:fld>
@@ -2386,7 +2386,7 @@
           <p:cNvPr id="6" name="页脚占位符 5">
             <a:extLst>
               <a:ext uri="{FF2B5EF4-FFF2-40B4-BE49-F238E27FC236}">
-                <a16:creationId xmlns:a16="http://schemas.microsoft.com/office/drawing/2014/main" id="{CC30DDDC-7F2C-1808-1E20-F8BCEB32080A}"/>
+                <a16:creationId xmlns:a16="http://schemas.microsoft.com/office/drawing/2014/main" id="{12892A09-97C8-3603-41E5-0F9C558CBE20}"/>
               </a:ext>
             </a:extLst>
           </p:cNvPr>
@@ -2411,7 +2411,7 @@
           <p:cNvPr id="7" name="灯片编号占位符 6">
             <a:extLst>
               <a:ext uri="{FF2B5EF4-FFF2-40B4-BE49-F238E27FC236}">
-                <a16:creationId xmlns:a16="http://schemas.microsoft.com/office/drawing/2014/main" id="{327B9A2D-0A8E-1FDD-E4C4-15461B48BF73}"/>
+                <a16:creationId xmlns:a16="http://schemas.microsoft.com/office/drawing/2014/main" id="{06D629DF-8A67-D9B2-C130-4B736573DE36}"/>
               </a:ext>
             </a:extLst>
           </p:cNvPr>
@@ -2427,7 +2427,7 @@
           <a:bodyPr/>
           <a:lstStyle/>
           <a:p>
-            <a:fld id="{0E6B2007-4759-4F96-8717-EEE5D3206DB0}" type="slidenum">
+            <a:fld id="{C7821156-4F98-4A03-9C85-8DF2DC4694D1}" type="slidenum">
               <a:rPr lang="zh-CN" altLang="en-US" smtClean="0"/>
               <a:t>‹#›</a:t>
             </a:fld>
@@ -2438,7 +2438,7 @@
     </p:spTree>
     <p:extLst>
       <p:ext uri="{BB962C8B-B14F-4D97-AF65-F5344CB8AC3E}">
-        <p14:creationId xmlns:p14="http://schemas.microsoft.com/office/powerpoint/2010/main" val="2663711819"/>
+        <p14:creationId xmlns:p14="http://schemas.microsoft.com/office/powerpoint/2010/main" val="623739563"/>
       </p:ext>
     </p:extLst>
   </p:cSld>
@@ -2470,7 +2470,7 @@
           <p:cNvPr id="2" name="标题 1">
             <a:extLst>
               <a:ext uri="{FF2B5EF4-FFF2-40B4-BE49-F238E27FC236}">
-                <a16:creationId xmlns:a16="http://schemas.microsoft.com/office/drawing/2014/main" id="{508A0C7E-3067-6315-0F44-5FF1217492CB}"/>
+                <a16:creationId xmlns:a16="http://schemas.microsoft.com/office/drawing/2014/main" id="{E8BB9001-6782-C188-A1BB-82E4E95AAE52}"/>
               </a:ext>
             </a:extLst>
           </p:cNvPr>
@@ -2507,7 +2507,7 @@
           <p:cNvPr id="3" name="图片占位符 2">
             <a:extLst>
               <a:ext uri="{FF2B5EF4-FFF2-40B4-BE49-F238E27FC236}">
-                <a16:creationId xmlns:a16="http://schemas.microsoft.com/office/drawing/2014/main" id="{325761F0-D9DA-3B9B-FD9C-64CA1EF3FA5B}"/>
+                <a16:creationId xmlns:a16="http://schemas.microsoft.com/office/drawing/2014/main" id="{DD548C5B-E0DB-837E-336F-5FFE6EA8D5DC}"/>
               </a:ext>
             </a:extLst>
           </p:cNvPr>
@@ -2574,7 +2574,7 @@
           <p:cNvPr id="4" name="文本占位符 3">
             <a:extLst>
               <a:ext uri="{FF2B5EF4-FFF2-40B4-BE49-F238E27FC236}">
-                <a16:creationId xmlns:a16="http://schemas.microsoft.com/office/drawing/2014/main" id="{49429839-D68E-E9C9-8816-BFA4957302FE}"/>
+                <a16:creationId xmlns:a16="http://schemas.microsoft.com/office/drawing/2014/main" id="{A12D6A04-D3D7-7280-E1DB-07BC60C3B3C2}"/>
               </a:ext>
             </a:extLst>
           </p:cNvPr>
@@ -2645,7 +2645,7 @@
           <p:cNvPr id="5" name="日期占位符 4">
             <a:extLst>
               <a:ext uri="{FF2B5EF4-FFF2-40B4-BE49-F238E27FC236}">
-                <a16:creationId xmlns:a16="http://schemas.microsoft.com/office/drawing/2014/main" id="{DF4EAC50-E57D-3269-A305-731A9118AB7C}"/>
+                <a16:creationId xmlns:a16="http://schemas.microsoft.com/office/drawing/2014/main" id="{C7B35246-B80E-5920-534F-3CDE68D995E1}"/>
               </a:ext>
             </a:extLst>
           </p:cNvPr>
@@ -2661,7 +2661,7 @@
           <a:bodyPr/>
           <a:lstStyle/>
           <a:p>
-            <a:fld id="{CE73C68D-FD04-40A0-B4C3-735A7DAB00CE}" type="datetimeFigureOut">
+            <a:fld id="{7EC367C4-B7DF-49E7-B2DE-6BEA150A8FF9}" type="datetimeFigureOut">
               <a:rPr lang="zh-CN" altLang="en-US" smtClean="0"/>
               <a:t>2024/3/10</a:t>
             </a:fld>
@@ -2674,7 +2674,7 @@
           <p:cNvPr id="6" name="页脚占位符 5">
             <a:extLst>
               <a:ext uri="{FF2B5EF4-FFF2-40B4-BE49-F238E27FC236}">
-                <a16:creationId xmlns:a16="http://schemas.microsoft.com/office/drawing/2014/main" id="{FD5D8C16-7573-186E-C166-44785D058557}"/>
+                <a16:creationId xmlns:a16="http://schemas.microsoft.com/office/drawing/2014/main" id="{F97F8D90-1CFB-8CE0-C628-254203281FE8}"/>
               </a:ext>
             </a:extLst>
           </p:cNvPr>
@@ -2699,7 +2699,7 @@
           <p:cNvPr id="7" name="灯片编号占位符 6">
             <a:extLst>
               <a:ext uri="{FF2B5EF4-FFF2-40B4-BE49-F238E27FC236}">
-                <a16:creationId xmlns:a16="http://schemas.microsoft.com/office/drawing/2014/main" id="{4C291149-E123-E6E2-8958-17B1F52D4670}"/>
+                <a16:creationId xmlns:a16="http://schemas.microsoft.com/office/drawing/2014/main" id="{955386F4-0E3D-9AD3-98B0-28EF0ECCFC8E}"/>
               </a:ext>
             </a:extLst>
           </p:cNvPr>
@@ -2715,7 +2715,7 @@
           <a:bodyPr/>
           <a:lstStyle/>
           <a:p>
-            <a:fld id="{0E6B2007-4759-4F96-8717-EEE5D3206DB0}" type="slidenum">
+            <a:fld id="{C7821156-4F98-4A03-9C85-8DF2DC4694D1}" type="slidenum">
               <a:rPr lang="zh-CN" altLang="en-US" smtClean="0"/>
               <a:t>‹#›</a:t>
             </a:fld>
@@ -2726,7 +2726,7 @@
     </p:spTree>
     <p:extLst>
       <p:ext uri="{BB962C8B-B14F-4D97-AF65-F5344CB8AC3E}">
-        <p14:creationId xmlns:p14="http://schemas.microsoft.com/office/powerpoint/2010/main" val="3785726613"/>
+        <p14:creationId xmlns:p14="http://schemas.microsoft.com/office/powerpoint/2010/main" val="799966027"/>
       </p:ext>
     </p:extLst>
   </p:cSld>
@@ -2763,7 +2763,7 @@
           <p:cNvPr id="2" name="标题占位符 1">
             <a:extLst>
               <a:ext uri="{FF2B5EF4-FFF2-40B4-BE49-F238E27FC236}">
-                <a16:creationId xmlns:a16="http://schemas.microsoft.com/office/drawing/2014/main" id="{EC32A7AC-719A-31F1-0152-4C4A79D13DC3}"/>
+                <a16:creationId xmlns:a16="http://schemas.microsoft.com/office/drawing/2014/main" id="{4B384AF4-039E-15B3-0C02-6912AC539770}"/>
               </a:ext>
             </a:extLst>
           </p:cNvPr>
@@ -2801,7 +2801,7 @@
           <p:cNvPr id="3" name="文本占位符 2">
             <a:extLst>
               <a:ext uri="{FF2B5EF4-FFF2-40B4-BE49-F238E27FC236}">
-                <a16:creationId xmlns:a16="http://schemas.microsoft.com/office/drawing/2014/main" id="{1C5B50F1-1083-E45C-1008-B8E5F0DBEB65}"/>
+                <a16:creationId xmlns:a16="http://schemas.microsoft.com/office/drawing/2014/main" id="{5D897B97-133A-A3A0-E50B-F0C48FC76C9E}"/>
               </a:ext>
             </a:extLst>
           </p:cNvPr>
@@ -2868,7 +2868,7 @@
           <p:cNvPr id="4" name="日期占位符 3">
             <a:extLst>
               <a:ext uri="{FF2B5EF4-FFF2-40B4-BE49-F238E27FC236}">
-                <a16:creationId xmlns:a16="http://schemas.microsoft.com/office/drawing/2014/main" id="{75659881-374C-E1D6-80F4-30C2F9F4C563}"/>
+                <a16:creationId xmlns:a16="http://schemas.microsoft.com/office/drawing/2014/main" id="{681EBED5-4DDD-232B-9C28-8EBFE6E9E8DD}"/>
               </a:ext>
             </a:extLst>
           </p:cNvPr>
@@ -2902,7 +2902,7 @@
             </a:lvl1pPr>
           </a:lstStyle>
           <a:p>
-            <a:fld id="{CE73C68D-FD04-40A0-B4C3-735A7DAB00CE}" type="datetimeFigureOut">
+            <a:fld id="{7EC367C4-B7DF-49E7-B2DE-6BEA150A8FF9}" type="datetimeFigureOut">
               <a:rPr lang="zh-CN" altLang="en-US" smtClean="0"/>
               <a:t>2024/3/10</a:t>
             </a:fld>
@@ -2915,7 +2915,7 @@
           <p:cNvPr id="5" name="页脚占位符 4">
             <a:extLst>
               <a:ext uri="{FF2B5EF4-FFF2-40B4-BE49-F238E27FC236}">
-                <a16:creationId xmlns:a16="http://schemas.microsoft.com/office/drawing/2014/main" id="{895D0F2A-FDDA-68BE-24CA-A5935111C41C}"/>
+                <a16:creationId xmlns:a16="http://schemas.microsoft.com/office/drawing/2014/main" id="{F9D5809F-0282-A9F6-D229-C4735FD43AF6}"/>
               </a:ext>
             </a:extLst>
           </p:cNvPr>
@@ -2958,7 +2958,7 @@
           <p:cNvPr id="6" name="灯片编号占位符 5">
             <a:extLst>
               <a:ext uri="{FF2B5EF4-FFF2-40B4-BE49-F238E27FC236}">
-                <a16:creationId xmlns:a16="http://schemas.microsoft.com/office/drawing/2014/main" id="{018BA0BA-BEC7-B3D8-2AEC-9BC0509D5AF8}"/>
+                <a16:creationId xmlns:a16="http://schemas.microsoft.com/office/drawing/2014/main" id="{AB0D0ED5-990A-E0AA-440E-AFFADD33B76A}"/>
               </a:ext>
             </a:extLst>
           </p:cNvPr>
@@ -2992,7 +2992,7 @@
             </a:lvl1pPr>
           </a:lstStyle>
           <a:p>
-            <a:fld id="{0E6B2007-4759-4F96-8717-EEE5D3206DB0}" type="slidenum">
+            <a:fld id="{C7821156-4F98-4A03-9C85-8DF2DC4694D1}" type="slidenum">
               <a:rPr lang="zh-CN" altLang="en-US" smtClean="0"/>
               <a:t>‹#›</a:t>
             </a:fld>
@@ -3003,7 +3003,7 @@
     </p:spTree>
     <p:extLst>
       <p:ext uri="{BB962C8B-B14F-4D97-AF65-F5344CB8AC3E}">
-        <p14:creationId xmlns:p14="http://schemas.microsoft.com/office/powerpoint/2010/main" val="1677339315"/>
+        <p14:creationId xmlns:p14="http://schemas.microsoft.com/office/powerpoint/2010/main" val="2259462971"/>
       </p:ext>
     </p:extLst>
   </p:cSld>
